--- a/N paper.pptx
+++ b/N paper.pptx
@@ -5,14 +5,21 @@
     <p:sldMasterId id="2147483648" r:id="rId1"/>
   </p:sldMasterIdLst>
   <p:sldIdLst>
-    <p:sldId id="256" r:id="rId2"/>
-    <p:sldId id="263" r:id="rId3"/>
-    <p:sldId id="264" r:id="rId4"/>
-    <p:sldId id="257" r:id="rId5"/>
-    <p:sldId id="258" r:id="rId6"/>
-    <p:sldId id="260" r:id="rId7"/>
-    <p:sldId id="259" r:id="rId8"/>
-    <p:sldId id="262" r:id="rId9"/>
+    <p:sldId id="266" r:id="rId2"/>
+    <p:sldId id="267" r:id="rId3"/>
+    <p:sldId id="268" r:id="rId4"/>
+    <p:sldId id="269" r:id="rId5"/>
+    <p:sldId id="270" r:id="rId6"/>
+    <p:sldId id="271" r:id="rId7"/>
+    <p:sldId id="273" r:id="rId8"/>
+    <p:sldId id="272" r:id="rId9"/>
+    <p:sldId id="274" r:id="rId10"/>
+    <p:sldId id="275" r:id="rId11"/>
+    <p:sldId id="276" r:id="rId12"/>
+    <p:sldId id="277" r:id="rId13"/>
+    <p:sldId id="278" r:id="rId14"/>
+    <p:sldId id="280" r:id="rId15"/>
+    <p:sldId id="265" r:id="rId16"/>
   </p:sldIdLst>
   <p:sldSz cx="12192000" cy="6858000"/>
   <p:notesSz cx="6858000" cy="9144000"/>
@@ -250,7 +257,7 @@
           <a:p>
             <a:fld id="{5E893C7B-3373-4C85-8089-F3A06573CEC2}" type="datetimeFigureOut">
               <a:rPr lang="zh-CN" altLang="en-US" smtClean="0"/>
-              <a:t>2024/11/11</a:t>
+              <a:t>2024/11/25</a:t>
             </a:fld>
             <a:endParaRPr lang="zh-CN" altLang="en-US"/>
           </a:p>
@@ -420,7 +427,7 @@
           <a:p>
             <a:fld id="{5E893C7B-3373-4C85-8089-F3A06573CEC2}" type="datetimeFigureOut">
               <a:rPr lang="zh-CN" altLang="en-US" smtClean="0"/>
-              <a:t>2024/11/11</a:t>
+              <a:t>2024/11/25</a:t>
             </a:fld>
             <a:endParaRPr lang="zh-CN" altLang="en-US"/>
           </a:p>
@@ -600,7 +607,7 @@
           <a:p>
             <a:fld id="{5E893C7B-3373-4C85-8089-F3A06573CEC2}" type="datetimeFigureOut">
               <a:rPr lang="zh-CN" altLang="en-US" smtClean="0"/>
-              <a:t>2024/11/11</a:t>
+              <a:t>2024/11/25</a:t>
             </a:fld>
             <a:endParaRPr lang="zh-CN" altLang="en-US"/>
           </a:p>
@@ -770,7 +777,7 @@
           <a:p>
             <a:fld id="{5E893C7B-3373-4C85-8089-F3A06573CEC2}" type="datetimeFigureOut">
               <a:rPr lang="zh-CN" altLang="en-US" smtClean="0"/>
-              <a:t>2024/11/11</a:t>
+              <a:t>2024/11/25</a:t>
             </a:fld>
             <a:endParaRPr lang="zh-CN" altLang="en-US"/>
           </a:p>
@@ -1016,7 +1023,7 @@
           <a:p>
             <a:fld id="{5E893C7B-3373-4C85-8089-F3A06573CEC2}" type="datetimeFigureOut">
               <a:rPr lang="zh-CN" altLang="en-US" smtClean="0"/>
-              <a:t>2024/11/11</a:t>
+              <a:t>2024/11/25</a:t>
             </a:fld>
             <a:endParaRPr lang="zh-CN" altLang="en-US"/>
           </a:p>
@@ -1248,7 +1255,7 @@
           <a:p>
             <a:fld id="{5E893C7B-3373-4C85-8089-F3A06573CEC2}" type="datetimeFigureOut">
               <a:rPr lang="zh-CN" altLang="en-US" smtClean="0"/>
-              <a:t>2024/11/11</a:t>
+              <a:t>2024/11/25</a:t>
             </a:fld>
             <a:endParaRPr lang="zh-CN" altLang="en-US"/>
           </a:p>
@@ -1615,7 +1622,7 @@
           <a:p>
             <a:fld id="{5E893C7B-3373-4C85-8089-F3A06573CEC2}" type="datetimeFigureOut">
               <a:rPr lang="zh-CN" altLang="en-US" smtClean="0"/>
-              <a:t>2024/11/11</a:t>
+              <a:t>2024/11/25</a:t>
             </a:fld>
             <a:endParaRPr lang="zh-CN" altLang="en-US"/>
           </a:p>
@@ -1733,7 +1740,7 @@
           <a:p>
             <a:fld id="{5E893C7B-3373-4C85-8089-F3A06573CEC2}" type="datetimeFigureOut">
               <a:rPr lang="zh-CN" altLang="en-US" smtClean="0"/>
-              <a:t>2024/11/11</a:t>
+              <a:t>2024/11/25</a:t>
             </a:fld>
             <a:endParaRPr lang="zh-CN" altLang="en-US"/>
           </a:p>
@@ -1828,7 +1835,7 @@
           <a:p>
             <a:fld id="{5E893C7B-3373-4C85-8089-F3A06573CEC2}" type="datetimeFigureOut">
               <a:rPr lang="zh-CN" altLang="en-US" smtClean="0"/>
-              <a:t>2024/11/11</a:t>
+              <a:t>2024/11/25</a:t>
             </a:fld>
             <a:endParaRPr lang="zh-CN" altLang="en-US"/>
           </a:p>
@@ -2105,7 +2112,7 @@
           <a:p>
             <a:fld id="{5E893C7B-3373-4C85-8089-F3A06573CEC2}" type="datetimeFigureOut">
               <a:rPr lang="zh-CN" altLang="en-US" smtClean="0"/>
-              <a:t>2024/11/11</a:t>
+              <a:t>2024/11/25</a:t>
             </a:fld>
             <a:endParaRPr lang="zh-CN" altLang="en-US"/>
           </a:p>
@@ -2358,7 +2365,7 @@
           <a:p>
             <a:fld id="{5E893C7B-3373-4C85-8089-F3A06573CEC2}" type="datetimeFigureOut">
               <a:rPr lang="zh-CN" altLang="en-US" smtClean="0"/>
-              <a:t>2024/11/11</a:t>
+              <a:t>2024/11/25</a:t>
             </a:fld>
             <a:endParaRPr lang="zh-CN" altLang="en-US"/>
           </a:p>
@@ -2571,7 +2578,7 @@
           <a:p>
             <a:fld id="{5E893C7B-3373-4C85-8089-F3A06573CEC2}" type="datetimeFigureOut">
               <a:rPr lang="zh-CN" altLang="en-US" smtClean="0"/>
-              <a:t>2024/11/11</a:t>
+              <a:t>2024/11/25</a:t>
             </a:fld>
             <a:endParaRPr lang="zh-CN" altLang="en-US"/>
           </a:p>
@@ -2998,8 +3005,8 @@
         </p:blipFill>
         <p:spPr>
           <a:xfrm>
-            <a:off x="207824" y="1735016"/>
-            <a:ext cx="4309469" cy="2544962"/>
+            <a:off x="143473" y="1207830"/>
+            <a:ext cx="3630668" cy="2453422"/>
           </a:xfrm>
           <a:prstGeom prst="rect">
             <a:avLst/>
@@ -3028,8 +3035,8 @@
         </p:blipFill>
         <p:spPr>
           <a:xfrm>
-            <a:off x="0" y="4789909"/>
-            <a:ext cx="4190957" cy="1720306"/>
+            <a:off x="4312058" y="1164127"/>
+            <a:ext cx="3621708" cy="2407893"/>
           </a:xfrm>
           <a:prstGeom prst="rect">
             <a:avLst/>
@@ -3038,14 +3045,14 @@
       </p:pic>
       <p:pic>
         <p:nvPicPr>
-          <p:cNvPr id="3" name="图片 2"/>
+          <p:cNvPr id="6" name="图片 5"/>
           <p:cNvPicPr>
             <a:picLocks noChangeAspect="1"/>
           </p:cNvPicPr>
           <p:nvPr/>
         </p:nvPicPr>
         <p:blipFill>
-          <a:blip r:embed="rId4" cstate="print">
+          <a:blip r:embed="rId4">
             <a:extLst>
               <a:ext uri="{28A0092B-C50C-407E-A947-70E740481C1C}">
                 <a14:useLocalDpi xmlns:a14="http://schemas.microsoft.com/office/drawing/2010/main" val="0"/>
@@ -3058,17 +3065,54 @@
         </p:blipFill>
         <p:spPr>
           <a:xfrm>
-            <a:off x="0" y="66541"/>
-            <a:ext cx="4962771" cy="1514987"/>
+            <a:off x="8314195" y="1215538"/>
+            <a:ext cx="3704290" cy="2307591"/>
           </a:xfrm>
           <a:prstGeom prst="rect">
             <a:avLst/>
           </a:prstGeom>
         </p:spPr>
       </p:pic>
+      <p:sp>
+        <p:nvSpPr>
+          <p:cNvPr id="7" name="矩形 6"/>
+          <p:cNvSpPr/>
+          <p:nvPr/>
+        </p:nvSpPr>
+        <p:spPr>
+          <a:xfrm>
+            <a:off x="249331" y="214264"/>
+            <a:ext cx="2779928" cy="369332"/>
+          </a:xfrm>
+          <a:prstGeom prst="rect">
+            <a:avLst/>
+          </a:prstGeom>
+        </p:spPr>
+        <p:txBody>
+          <a:bodyPr wrap="none">
+            <a:spAutoFit/>
+          </a:bodyPr>
+          <a:lstStyle/>
+          <a:p>
+            <a:r>
+              <a:rPr lang="zh-CN" altLang="en-US" dirty="0"/>
+              <a:t>When we remove </a:t>
+            </a:r>
+            <a:r>
+              <a:rPr lang="zh-CN" altLang="en-US" dirty="0" smtClean="0"/>
+              <a:t>Fanoxic</a:t>
+            </a:r>
+            <a:r>
+              <a:rPr lang="en-US" altLang="zh-CN" dirty="0" smtClean="0"/>
+              <a:t>:</a:t>
+            </a:r>
+            <a:endParaRPr lang="zh-CN" altLang="en-US" dirty="0"/>
+          </a:p>
+        </p:txBody>
+      </p:sp>
       <p:pic>
         <p:nvPicPr>
-          <p:cNvPr id="7" name="图片 6"/>
+          <p:cNvPr id="8" name="图片 7"/>
           <p:cNvPicPr>
             <a:picLocks noChangeAspect="1"/>
           </p:cNvPicPr>
@@ -3088,8 +3132,8 @@
         </p:blipFill>
         <p:spPr>
           <a:xfrm>
-            <a:off x="5444395" y="121733"/>
-            <a:ext cx="6653819" cy="6368945"/>
+            <a:off x="0" y="4156223"/>
+            <a:ext cx="5011271" cy="1195705"/>
           </a:xfrm>
           <a:prstGeom prst="rect">
             <a:avLst/>
@@ -3098,24 +3142,18 @@
       </p:pic>
       <p:sp>
         <p:nvSpPr>
-          <p:cNvPr id="8" name="矩形 7"/>
+          <p:cNvPr id="9" name="上箭头 8"/>
           <p:cNvSpPr/>
           <p:nvPr/>
         </p:nvSpPr>
         <p:spPr>
           <a:xfrm>
-            <a:off x="187569" y="3657600"/>
-            <a:ext cx="4126523" cy="437662"/>
-          </a:xfrm>
-          <a:prstGeom prst="rect">
-            <a:avLst/>
-          </a:prstGeom>
-          <a:noFill/>
-          <a:ln w="28575">
-            <a:solidFill>
-              <a:srgbClr val="FF0000"/>
-            </a:solidFill>
-          </a:ln>
+            <a:off x="1748118" y="3729318"/>
+            <a:ext cx="295835" cy="376517"/>
+          </a:xfrm>
+          <a:prstGeom prst="upArrow">
+            <a:avLst/>
+          </a:prstGeom>
         </p:spPr>
         <p:style>
           <a:lnRef idx="2">
@@ -3142,10 +3180,472 @@
           </a:p>
         </p:txBody>
       </p:sp>
+      <p:sp>
+        <p:nvSpPr>
+          <p:cNvPr id="10" name="矩形 9"/>
+          <p:cNvSpPr/>
+          <p:nvPr/>
+        </p:nvSpPr>
+        <p:spPr>
+          <a:xfrm>
+            <a:off x="2420471" y="4419601"/>
+            <a:ext cx="2662517" cy="923364"/>
+          </a:xfrm>
+          <a:prstGeom prst="rect">
+            <a:avLst/>
+          </a:prstGeom>
+          <a:noFill/>
+          <a:ln w="28575">
+            <a:solidFill>
+              <a:srgbClr val="FF0000"/>
+            </a:solidFill>
+          </a:ln>
+        </p:spPr>
+        <p:style>
+          <a:lnRef idx="2">
+            <a:schemeClr val="accent1">
+              <a:shade val="50000"/>
+            </a:schemeClr>
+          </a:lnRef>
+          <a:fillRef idx="1">
+            <a:schemeClr val="accent1"/>
+          </a:fillRef>
+          <a:effectRef idx="0">
+            <a:schemeClr val="accent1"/>
+          </a:effectRef>
+          <a:fontRef idx="minor">
+            <a:schemeClr val="lt1"/>
+          </a:fontRef>
+        </p:style>
+        <p:txBody>
+          <a:bodyPr rtlCol="0" anchor="ctr"/>
+          <a:lstStyle/>
+          <a:p>
+            <a:pPr algn="ctr"/>
+            <a:endParaRPr lang="zh-CN" altLang="en-US"/>
+          </a:p>
+        </p:txBody>
+      </p:sp>
+      <p:sp>
+        <p:nvSpPr>
+          <p:cNvPr id="11" name="矩形 10"/>
+          <p:cNvSpPr/>
+          <p:nvPr/>
+        </p:nvSpPr>
+        <p:spPr>
+          <a:xfrm>
+            <a:off x="0" y="5701571"/>
+            <a:ext cx="5351929" cy="923330"/>
+          </a:xfrm>
+          <a:prstGeom prst="rect">
+            <a:avLst/>
+          </a:prstGeom>
+        </p:spPr>
+        <p:txBody>
+          <a:bodyPr wrap="square">
+            <a:spAutoFit/>
+          </a:bodyPr>
+          <a:lstStyle/>
+          <a:p>
+            <a:r>
+              <a:rPr lang="zh-CN" altLang="en-US" dirty="0"/>
+              <a:t>Since oxygen is almost zero in the early stage, the phosphorus sink is very low, resulting in more oxygen in the early stage, and GOE is advanced.</a:t>
+            </a:r>
+          </a:p>
+        </p:txBody>
+      </p:sp>
+      <p:sp>
+        <p:nvSpPr>
+          <p:cNvPr id="12" name="上箭头 11"/>
+          <p:cNvSpPr/>
+          <p:nvPr/>
+        </p:nvSpPr>
+        <p:spPr>
+          <a:xfrm>
+            <a:off x="1721224" y="5369859"/>
+            <a:ext cx="295835" cy="376517"/>
+          </a:xfrm>
+          <a:prstGeom prst="upArrow">
+            <a:avLst/>
+          </a:prstGeom>
+        </p:spPr>
+        <p:style>
+          <a:lnRef idx="2">
+            <a:schemeClr val="accent1">
+              <a:shade val="50000"/>
+            </a:schemeClr>
+          </a:lnRef>
+          <a:fillRef idx="1">
+            <a:schemeClr val="accent1"/>
+          </a:fillRef>
+          <a:effectRef idx="0">
+            <a:schemeClr val="accent1"/>
+          </a:effectRef>
+          <a:fontRef idx="minor">
+            <a:schemeClr val="lt1"/>
+          </a:fontRef>
+        </p:style>
+        <p:txBody>
+          <a:bodyPr rtlCol="0" anchor="ctr"/>
+          <a:lstStyle/>
+          <a:p>
+            <a:pPr algn="ctr"/>
+            <a:endParaRPr lang="zh-CN" altLang="en-US"/>
+          </a:p>
+        </p:txBody>
+      </p:sp>
+      <p:sp>
+        <p:nvSpPr>
+          <p:cNvPr id="13" name="矩形 12"/>
+          <p:cNvSpPr/>
+          <p:nvPr/>
+        </p:nvSpPr>
+        <p:spPr>
+          <a:xfrm>
+            <a:off x="5145742" y="4038164"/>
+            <a:ext cx="3352800" cy="923330"/>
+          </a:xfrm>
+          <a:prstGeom prst="rect">
+            <a:avLst/>
+          </a:prstGeom>
+        </p:spPr>
+        <p:txBody>
+          <a:bodyPr wrap="square">
+            <a:spAutoFit/>
+          </a:bodyPr>
+          <a:lstStyle/>
+          <a:p>
+            <a:r>
+              <a:rPr lang="zh-CN" altLang="en-US" dirty="0"/>
+              <a:t>This is the original result, that is, no nitrogen cycle has been added</a:t>
+            </a:r>
+          </a:p>
+        </p:txBody>
+      </p:sp>
+      <p:sp>
+        <p:nvSpPr>
+          <p:cNvPr id="14" name="上箭头 13"/>
+          <p:cNvSpPr/>
+          <p:nvPr/>
+        </p:nvSpPr>
+        <p:spPr>
+          <a:xfrm>
+            <a:off x="6212541" y="3675530"/>
+            <a:ext cx="295835" cy="376517"/>
+          </a:xfrm>
+          <a:prstGeom prst="upArrow">
+            <a:avLst/>
+          </a:prstGeom>
+        </p:spPr>
+        <p:style>
+          <a:lnRef idx="2">
+            <a:schemeClr val="accent1">
+              <a:shade val="50000"/>
+            </a:schemeClr>
+          </a:lnRef>
+          <a:fillRef idx="1">
+            <a:schemeClr val="accent1"/>
+          </a:fillRef>
+          <a:effectRef idx="0">
+            <a:schemeClr val="accent1"/>
+          </a:effectRef>
+          <a:fontRef idx="minor">
+            <a:schemeClr val="lt1"/>
+          </a:fontRef>
+        </p:style>
+        <p:txBody>
+          <a:bodyPr rtlCol="0" anchor="ctr"/>
+          <a:lstStyle/>
+          <a:p>
+            <a:pPr algn="ctr"/>
+            <a:endParaRPr lang="zh-CN" altLang="en-US"/>
+          </a:p>
+        </p:txBody>
+      </p:sp>
+      <p:pic>
+        <p:nvPicPr>
+          <p:cNvPr id="15" name="图片 14"/>
+          <p:cNvPicPr>
+            <a:picLocks noChangeAspect="1"/>
+          </p:cNvPicPr>
+          <p:nvPr/>
+        </p:nvPicPr>
+        <p:blipFill>
+          <a:blip r:embed="rId6">
+            <a:extLst>
+              <a:ext uri="{28A0092B-C50C-407E-A947-70E740481C1C}">
+                <a14:useLocalDpi xmlns:a14="http://schemas.microsoft.com/office/drawing/2010/main" val="0"/>
+              </a:ext>
+            </a:extLst>
+          </a:blip>
+          <a:stretch>
+            <a:fillRect/>
+          </a:stretch>
+        </p:blipFill>
+        <p:spPr>
+          <a:xfrm>
+            <a:off x="2100632" y="610749"/>
+            <a:ext cx="9830652" cy="381033"/>
+          </a:xfrm>
+          <a:prstGeom prst="rect">
+            <a:avLst/>
+          </a:prstGeom>
+        </p:spPr>
+      </p:pic>
+      <p:pic>
+        <p:nvPicPr>
+          <p:cNvPr id="16" name="图片 15"/>
+          <p:cNvPicPr>
+            <a:picLocks noChangeAspect="1"/>
+          </p:cNvPicPr>
+          <p:nvPr/>
+        </p:nvPicPr>
+        <p:blipFill>
+          <a:blip r:embed="rId7">
+            <a:extLst>
+              <a:ext uri="{28A0092B-C50C-407E-A947-70E740481C1C}">
+                <a14:useLocalDpi xmlns:a14="http://schemas.microsoft.com/office/drawing/2010/main" val="0"/>
+              </a:ext>
+            </a:extLst>
+          </a:blip>
+          <a:stretch>
+            <a:fillRect/>
+          </a:stretch>
+        </p:blipFill>
+        <p:spPr>
+          <a:xfrm>
+            <a:off x="7362970" y="345349"/>
+            <a:ext cx="4404742" cy="358171"/>
+          </a:xfrm>
+          <a:prstGeom prst="rect">
+            <a:avLst/>
+          </a:prstGeom>
+        </p:spPr>
+      </p:pic>
+      <p:sp>
+        <p:nvSpPr>
+          <p:cNvPr id="17" name="下箭头 16"/>
+          <p:cNvSpPr/>
+          <p:nvPr/>
+        </p:nvSpPr>
+        <p:spPr>
+          <a:xfrm>
+            <a:off x="9950824" y="941294"/>
+            <a:ext cx="197223" cy="277906"/>
+          </a:xfrm>
+          <a:prstGeom prst="downArrow">
+            <a:avLst/>
+          </a:prstGeom>
+        </p:spPr>
+        <p:style>
+          <a:lnRef idx="2">
+            <a:schemeClr val="accent1">
+              <a:shade val="50000"/>
+            </a:schemeClr>
+          </a:lnRef>
+          <a:fillRef idx="1">
+            <a:schemeClr val="accent1"/>
+          </a:fillRef>
+          <a:effectRef idx="0">
+            <a:schemeClr val="accent1"/>
+          </a:effectRef>
+          <a:fontRef idx="minor">
+            <a:schemeClr val="lt1"/>
+          </a:fontRef>
+        </p:style>
+        <p:txBody>
+          <a:bodyPr rtlCol="0" anchor="ctr"/>
+          <a:lstStyle/>
+          <a:p>
+            <a:pPr algn="ctr"/>
+            <a:endParaRPr lang="zh-CN" altLang="en-US"/>
+          </a:p>
+        </p:txBody>
+      </p:sp>
+      <p:sp>
+        <p:nvSpPr>
+          <p:cNvPr id="18" name="矩形 17"/>
+          <p:cNvSpPr/>
+          <p:nvPr/>
+        </p:nvSpPr>
+        <p:spPr>
+          <a:xfrm>
+            <a:off x="11376212" y="681318"/>
+            <a:ext cx="636494" cy="340658"/>
+          </a:xfrm>
+          <a:prstGeom prst="rect">
+            <a:avLst/>
+          </a:prstGeom>
+          <a:noFill/>
+          <a:ln w="28575">
+            <a:solidFill>
+              <a:srgbClr val="FF0000"/>
+            </a:solidFill>
+          </a:ln>
+        </p:spPr>
+        <p:style>
+          <a:lnRef idx="2">
+            <a:schemeClr val="accent1">
+              <a:shade val="50000"/>
+            </a:schemeClr>
+          </a:lnRef>
+          <a:fillRef idx="1">
+            <a:schemeClr val="accent1"/>
+          </a:fillRef>
+          <a:effectRef idx="0">
+            <a:schemeClr val="accent1"/>
+          </a:effectRef>
+          <a:fontRef idx="minor">
+            <a:schemeClr val="lt1"/>
+          </a:fontRef>
+        </p:style>
+        <p:txBody>
+          <a:bodyPr rtlCol="0" anchor="ctr"/>
+          <a:lstStyle/>
+          <a:p>
+            <a:pPr algn="ctr"/>
+            <a:endParaRPr lang="zh-CN" altLang="en-US"/>
+          </a:p>
+        </p:txBody>
+      </p:sp>
+      <p:sp>
+        <p:nvSpPr>
+          <p:cNvPr id="19" name="矩形 18"/>
+          <p:cNvSpPr/>
+          <p:nvPr/>
+        </p:nvSpPr>
+        <p:spPr>
+          <a:xfrm>
+            <a:off x="9995647" y="376518"/>
+            <a:ext cx="636494" cy="340658"/>
+          </a:xfrm>
+          <a:prstGeom prst="rect">
+            <a:avLst/>
+          </a:prstGeom>
+          <a:noFill/>
+          <a:ln w="28575">
+            <a:solidFill>
+              <a:srgbClr val="FF0000"/>
+            </a:solidFill>
+          </a:ln>
+        </p:spPr>
+        <p:style>
+          <a:lnRef idx="2">
+            <a:schemeClr val="accent1">
+              <a:shade val="50000"/>
+            </a:schemeClr>
+          </a:lnRef>
+          <a:fillRef idx="1">
+            <a:schemeClr val="accent1"/>
+          </a:fillRef>
+          <a:effectRef idx="0">
+            <a:schemeClr val="accent1"/>
+          </a:effectRef>
+          <a:fontRef idx="minor">
+            <a:schemeClr val="lt1"/>
+          </a:fontRef>
+        </p:style>
+        <p:txBody>
+          <a:bodyPr rtlCol="0" anchor="ctr"/>
+          <a:lstStyle/>
+          <a:p>
+            <a:pPr algn="ctr"/>
+            <a:endParaRPr lang="zh-CN" altLang="en-US"/>
+          </a:p>
+        </p:txBody>
+      </p:sp>
+      <p:sp>
+        <p:nvSpPr>
+          <p:cNvPr id="20" name="矩形 19"/>
+          <p:cNvSpPr/>
+          <p:nvPr/>
+        </p:nvSpPr>
+        <p:spPr>
+          <a:xfrm>
+            <a:off x="8382000" y="4410651"/>
+            <a:ext cx="3881718" cy="1477328"/>
+          </a:xfrm>
+          <a:prstGeom prst="rect">
+            <a:avLst/>
+          </a:prstGeom>
+        </p:spPr>
+        <p:txBody>
+          <a:bodyPr wrap="square">
+            <a:spAutoFit/>
+          </a:bodyPr>
+          <a:lstStyle/>
+          <a:p>
+            <a:r>
+              <a:rPr lang="zh-CN" altLang="en-US" dirty="0"/>
+              <a:t>The EXPOSED limit was added to the early weathered phosphorus, that is</a:t>
+            </a:r>
+            <a:r>
+              <a:rPr lang="zh-CN" altLang="en-US" dirty="0" smtClean="0"/>
+              <a:t>,</a:t>
+            </a:r>
+            <a:r>
+              <a:rPr lang="en-US" altLang="zh-CN" dirty="0"/>
+              <a:t> the weathering flux was limited by the land </a:t>
+            </a:r>
+            <a:r>
+              <a:rPr lang="en-US" altLang="zh-CN" dirty="0" smtClean="0"/>
+              <a:t>area</a:t>
+            </a:r>
+            <a:r>
+              <a:rPr lang="zh-CN" altLang="en-US" dirty="0" smtClean="0"/>
+              <a:t>, </a:t>
+            </a:r>
+            <a:r>
+              <a:rPr lang="zh-CN" altLang="en-US" dirty="0"/>
+              <a:t>and the GOE was delayed</a:t>
+            </a:r>
+          </a:p>
+        </p:txBody>
+      </p:sp>
+      <p:sp>
+        <p:nvSpPr>
+          <p:cNvPr id="21" name="上箭头 20"/>
+          <p:cNvSpPr/>
+          <p:nvPr/>
+        </p:nvSpPr>
+        <p:spPr>
+          <a:xfrm>
+            <a:off x="10103223" y="3666566"/>
+            <a:ext cx="295835" cy="376517"/>
+          </a:xfrm>
+          <a:prstGeom prst="upArrow">
+            <a:avLst/>
+          </a:prstGeom>
+        </p:spPr>
+        <p:style>
+          <a:lnRef idx="2">
+            <a:schemeClr val="accent1">
+              <a:shade val="50000"/>
+            </a:schemeClr>
+          </a:lnRef>
+          <a:fillRef idx="1">
+            <a:schemeClr val="accent1"/>
+          </a:fillRef>
+          <a:effectRef idx="0">
+            <a:schemeClr val="accent1"/>
+          </a:effectRef>
+          <a:fontRef idx="minor">
+            <a:schemeClr val="lt1"/>
+          </a:fontRef>
+        </p:style>
+        <p:txBody>
+          <a:bodyPr rtlCol="0" anchor="ctr"/>
+          <a:lstStyle/>
+          <a:p>
+            <a:pPr algn="ctr"/>
+            <a:endParaRPr lang="zh-CN" altLang="en-US"/>
+          </a:p>
+        </p:txBody>
+      </p:sp>
     </p:spTree>
     <p:extLst>
       <p:ext uri="{BB962C8B-B14F-4D97-AF65-F5344CB8AC3E}">
-        <p14:creationId xmlns:p14="http://schemas.microsoft.com/office/powerpoint/2010/main" val="4088535604"/>
+        <p14:creationId xmlns:p14="http://schemas.microsoft.com/office/powerpoint/2010/main" val="2137415232"/>
       </p:ext>
     </p:extLst>
   </p:cSld>
@@ -3155,7 +3655,7 @@
 </p:sld>
 </file>
 
-<file path=ppt/slides/slide2.xml><?xml version="1.0" encoding="utf-8"?>
+<file path=ppt/slides/slide10.xml><?xml version="1.0" encoding="utf-8"?>
 <p:sld xmlns:a="http://schemas.openxmlformats.org/drawingml/2006/main" xmlns:r="http://schemas.openxmlformats.org/officeDocument/2006/relationships" xmlns:p="http://schemas.openxmlformats.org/presentationml/2006/main">
   <p:cSld>
     <p:spTree>
@@ -3375,7 +3875,7 @@
     </p:spTree>
     <p:extLst>
       <p:ext uri="{BB962C8B-B14F-4D97-AF65-F5344CB8AC3E}">
-        <p14:creationId xmlns:p14="http://schemas.microsoft.com/office/powerpoint/2010/main" val="834789692"/>
+        <p14:creationId xmlns:p14="http://schemas.microsoft.com/office/powerpoint/2010/main" val="4134482500"/>
       </p:ext>
     </p:extLst>
   </p:cSld>
@@ -3385,7 +3885,7 @@
 </p:sld>
 </file>
 
-<file path=ppt/slides/slide3.xml><?xml version="1.0" encoding="utf-8"?>
+<file path=ppt/slides/slide11.xml><?xml version="1.0" encoding="utf-8"?>
 <p:sld xmlns:a="http://schemas.openxmlformats.org/drawingml/2006/main" xmlns:r="http://schemas.openxmlformats.org/officeDocument/2006/relationships" xmlns:p="http://schemas.openxmlformats.org/presentationml/2006/main">
   <p:cSld>
     <p:spTree>
@@ -3465,7 +3965,7 @@
     </p:spTree>
     <p:extLst>
       <p:ext uri="{BB962C8B-B14F-4D97-AF65-F5344CB8AC3E}">
-        <p14:creationId xmlns:p14="http://schemas.microsoft.com/office/powerpoint/2010/main" val="1359947804"/>
+        <p14:creationId xmlns:p14="http://schemas.microsoft.com/office/powerpoint/2010/main" val="2982260386"/>
       </p:ext>
     </p:extLst>
   </p:cSld>
@@ -3475,7 +3975,7 @@
 </p:sld>
 </file>
 
-<file path=ppt/slides/slide4.xml><?xml version="1.0" encoding="utf-8"?>
+<file path=ppt/slides/slide12.xml><?xml version="1.0" encoding="utf-8"?>
 <p:sld xmlns:a="http://schemas.openxmlformats.org/drawingml/2006/main" xmlns:r="http://schemas.openxmlformats.org/officeDocument/2006/relationships" xmlns:p="http://schemas.openxmlformats.org/presentationml/2006/main">
   <p:cSld>
     <p:spTree>
@@ -3704,7 +4204,1088 @@
     </p:spTree>
     <p:extLst>
       <p:ext uri="{BB962C8B-B14F-4D97-AF65-F5344CB8AC3E}">
-        <p14:creationId xmlns:p14="http://schemas.microsoft.com/office/powerpoint/2010/main" val="3939807442"/>
+        <p14:creationId xmlns:p14="http://schemas.microsoft.com/office/powerpoint/2010/main" val="4094050650"/>
+      </p:ext>
+    </p:extLst>
+  </p:cSld>
+  <p:clrMapOvr>
+    <a:masterClrMapping/>
+  </p:clrMapOvr>
+</p:sld>
+</file>
+
+<file path=ppt/slides/slide13.xml><?xml version="1.0" encoding="utf-8"?>
+<p:sld xmlns:a="http://schemas.openxmlformats.org/drawingml/2006/main" xmlns:r="http://schemas.openxmlformats.org/officeDocument/2006/relationships" xmlns:p="http://schemas.openxmlformats.org/presentationml/2006/main">
+  <p:cSld>
+    <p:spTree>
+      <p:nvGrpSpPr>
+        <p:cNvPr id="1" name=""/>
+        <p:cNvGrpSpPr/>
+        <p:nvPr/>
+      </p:nvGrpSpPr>
+      <p:grpSpPr>
+        <a:xfrm>
+          <a:off x="0" y="0"/>
+          <a:ext cx="0" cy="0"/>
+          <a:chOff x="0" y="0"/>
+          <a:chExt cx="0" cy="0"/>
+        </a:xfrm>
+      </p:grpSpPr>
+      <p:pic>
+        <p:nvPicPr>
+          <p:cNvPr id="5" name="图片 4"/>
+          <p:cNvPicPr>
+            <a:picLocks noChangeAspect="1"/>
+          </p:cNvPicPr>
+          <p:nvPr/>
+        </p:nvPicPr>
+        <p:blipFill>
+          <a:blip r:embed="rId2" cstate="print">
+            <a:extLst>
+              <a:ext uri="{28A0092B-C50C-407E-A947-70E740481C1C}">
+                <a14:useLocalDpi xmlns:a14="http://schemas.microsoft.com/office/drawing/2010/main" val="0"/>
+              </a:ext>
+            </a:extLst>
+          </a:blip>
+          <a:stretch>
+            <a:fillRect/>
+          </a:stretch>
+        </p:blipFill>
+        <p:spPr>
+          <a:xfrm>
+            <a:off x="7295787" y="4087905"/>
+            <a:ext cx="4455076" cy="2770095"/>
+          </a:xfrm>
+          <a:prstGeom prst="rect">
+            <a:avLst/>
+          </a:prstGeom>
+        </p:spPr>
+      </p:pic>
+      <p:pic>
+        <p:nvPicPr>
+          <p:cNvPr id="6" name="图片 5"/>
+          <p:cNvPicPr>
+            <a:picLocks noChangeAspect="1"/>
+          </p:cNvPicPr>
+          <p:nvPr/>
+        </p:nvPicPr>
+        <p:blipFill>
+          <a:blip r:embed="rId3">
+            <a:extLst>
+              <a:ext uri="{28A0092B-C50C-407E-A947-70E740481C1C}">
+                <a14:useLocalDpi xmlns:a14="http://schemas.microsoft.com/office/drawing/2010/main" val="0"/>
+              </a:ext>
+            </a:extLst>
+          </a:blip>
+          <a:stretch>
+            <a:fillRect/>
+          </a:stretch>
+        </p:blipFill>
+        <p:spPr>
+          <a:xfrm>
+            <a:off x="7629677" y="195845"/>
+            <a:ext cx="3935482" cy="3901654"/>
+          </a:xfrm>
+          <a:prstGeom prst="rect">
+            <a:avLst/>
+          </a:prstGeom>
+        </p:spPr>
+      </p:pic>
+      <p:pic>
+        <p:nvPicPr>
+          <p:cNvPr id="9" name="图片 8"/>
+          <p:cNvPicPr>
+            <a:picLocks noChangeAspect="1"/>
+          </p:cNvPicPr>
+          <p:nvPr/>
+        </p:nvPicPr>
+        <p:blipFill>
+          <a:blip r:embed="rId4">
+            <a:extLst>
+              <a:ext uri="{28A0092B-C50C-407E-A947-70E740481C1C}">
+                <a14:useLocalDpi xmlns:a14="http://schemas.microsoft.com/office/drawing/2010/main" val="0"/>
+              </a:ext>
+            </a:extLst>
+          </a:blip>
+          <a:stretch>
+            <a:fillRect/>
+          </a:stretch>
+        </p:blipFill>
+        <p:spPr>
+          <a:xfrm>
+            <a:off x="160268" y="322729"/>
+            <a:ext cx="6728774" cy="6140824"/>
+          </a:xfrm>
+          <a:prstGeom prst="rect">
+            <a:avLst/>
+          </a:prstGeom>
+        </p:spPr>
+      </p:pic>
+      <p:sp>
+        <p:nvSpPr>
+          <p:cNvPr id="10" name="矩形 9"/>
+          <p:cNvSpPr/>
+          <p:nvPr/>
+        </p:nvSpPr>
+        <p:spPr>
+          <a:xfrm>
+            <a:off x="132862" y="4165600"/>
+            <a:ext cx="6768123" cy="296985"/>
+          </a:xfrm>
+          <a:prstGeom prst="rect">
+            <a:avLst/>
+          </a:prstGeom>
+          <a:noFill/>
+          <a:ln w="28575">
+            <a:solidFill>
+              <a:srgbClr val="FF0000"/>
+            </a:solidFill>
+          </a:ln>
+        </p:spPr>
+        <p:style>
+          <a:lnRef idx="2">
+            <a:schemeClr val="accent1">
+              <a:shade val="50000"/>
+            </a:schemeClr>
+          </a:lnRef>
+          <a:fillRef idx="1">
+            <a:schemeClr val="accent1"/>
+          </a:fillRef>
+          <a:effectRef idx="0">
+            <a:schemeClr val="accent1"/>
+          </a:effectRef>
+          <a:fontRef idx="minor">
+            <a:schemeClr val="lt1"/>
+          </a:fontRef>
+        </p:style>
+        <p:txBody>
+          <a:bodyPr rtlCol="0" anchor="ctr"/>
+          <a:lstStyle/>
+          <a:p>
+            <a:pPr algn="ctr"/>
+            <a:endParaRPr lang="zh-CN" altLang="en-US"/>
+          </a:p>
+        </p:txBody>
+      </p:sp>
+      <p:sp>
+        <p:nvSpPr>
+          <p:cNvPr id="11" name="矩形 10"/>
+          <p:cNvSpPr/>
+          <p:nvPr/>
+        </p:nvSpPr>
+        <p:spPr>
+          <a:xfrm>
+            <a:off x="66432" y="4927600"/>
+            <a:ext cx="6873630" cy="629138"/>
+          </a:xfrm>
+          <a:prstGeom prst="rect">
+            <a:avLst/>
+          </a:prstGeom>
+          <a:noFill/>
+          <a:ln w="28575">
+            <a:solidFill>
+              <a:srgbClr val="FF0000"/>
+            </a:solidFill>
+          </a:ln>
+        </p:spPr>
+        <p:style>
+          <a:lnRef idx="2">
+            <a:schemeClr val="accent1">
+              <a:shade val="50000"/>
+            </a:schemeClr>
+          </a:lnRef>
+          <a:fillRef idx="1">
+            <a:schemeClr val="accent1"/>
+          </a:fillRef>
+          <a:effectRef idx="0">
+            <a:schemeClr val="accent1"/>
+          </a:effectRef>
+          <a:fontRef idx="minor">
+            <a:schemeClr val="lt1"/>
+          </a:fontRef>
+        </p:style>
+        <p:txBody>
+          <a:bodyPr rtlCol="0" anchor="ctr"/>
+          <a:lstStyle/>
+          <a:p>
+            <a:pPr algn="ctr"/>
+            <a:endParaRPr lang="zh-CN" altLang="en-US"/>
+          </a:p>
+        </p:txBody>
+      </p:sp>
+    </p:spTree>
+    <p:extLst>
+      <p:ext uri="{BB962C8B-B14F-4D97-AF65-F5344CB8AC3E}">
+        <p14:creationId xmlns:p14="http://schemas.microsoft.com/office/powerpoint/2010/main" val="878749747"/>
+      </p:ext>
+    </p:extLst>
+  </p:cSld>
+  <p:clrMapOvr>
+    <a:masterClrMapping/>
+  </p:clrMapOvr>
+</p:sld>
+</file>
+
+<file path=ppt/slides/slide14.xml><?xml version="1.0" encoding="utf-8"?>
+<p:sld xmlns:a="http://schemas.openxmlformats.org/drawingml/2006/main" xmlns:r="http://schemas.openxmlformats.org/officeDocument/2006/relationships" xmlns:p="http://schemas.openxmlformats.org/presentationml/2006/main">
+  <p:cSld>
+    <p:spTree>
+      <p:nvGrpSpPr>
+        <p:cNvPr id="1" name=""/>
+        <p:cNvGrpSpPr/>
+        <p:nvPr/>
+      </p:nvGrpSpPr>
+      <p:grpSpPr>
+        <a:xfrm>
+          <a:off x="0" y="0"/>
+          <a:ext cx="0" cy="0"/>
+          <a:chOff x="0" y="0"/>
+          <a:chExt cx="0" cy="0"/>
+        </a:xfrm>
+      </p:grpSpPr>
+      <p:pic>
+        <p:nvPicPr>
+          <p:cNvPr id="6" name="图片 5"/>
+          <p:cNvPicPr>
+            <a:picLocks noChangeAspect="1"/>
+          </p:cNvPicPr>
+          <p:nvPr/>
+        </p:nvPicPr>
+        <p:blipFill>
+          <a:blip r:embed="rId2">
+            <a:extLst>
+              <a:ext uri="{28A0092B-C50C-407E-A947-70E740481C1C}">
+                <a14:useLocalDpi xmlns:a14="http://schemas.microsoft.com/office/drawing/2010/main" val="0"/>
+              </a:ext>
+            </a:extLst>
+          </a:blip>
+          <a:stretch>
+            <a:fillRect/>
+          </a:stretch>
+        </p:blipFill>
+        <p:spPr>
+          <a:xfrm>
+            <a:off x="355640" y="202600"/>
+            <a:ext cx="5204331" cy="2165002"/>
+          </a:xfrm>
+          <a:prstGeom prst="rect">
+            <a:avLst/>
+          </a:prstGeom>
+        </p:spPr>
+      </p:pic>
+      <p:pic>
+        <p:nvPicPr>
+          <p:cNvPr id="7" name="图片 6"/>
+          <p:cNvPicPr>
+            <a:picLocks noChangeAspect="1"/>
+          </p:cNvPicPr>
+          <p:nvPr/>
+        </p:nvPicPr>
+        <p:blipFill>
+          <a:blip r:embed="rId3">
+            <a:extLst>
+              <a:ext uri="{28A0092B-C50C-407E-A947-70E740481C1C}">
+                <a14:useLocalDpi xmlns:a14="http://schemas.microsoft.com/office/drawing/2010/main" val="0"/>
+              </a:ext>
+            </a:extLst>
+          </a:blip>
+          <a:stretch>
+            <a:fillRect/>
+          </a:stretch>
+        </p:blipFill>
+        <p:spPr>
+          <a:xfrm>
+            <a:off x="642729" y="2953257"/>
+            <a:ext cx="4829849" cy="3639058"/>
+          </a:xfrm>
+          <a:prstGeom prst="rect">
+            <a:avLst/>
+          </a:prstGeom>
+        </p:spPr>
+      </p:pic>
+      <p:pic>
+        <p:nvPicPr>
+          <p:cNvPr id="2" name="图片 1"/>
+          <p:cNvPicPr>
+            <a:picLocks noChangeAspect="1"/>
+          </p:cNvPicPr>
+          <p:nvPr/>
+        </p:nvPicPr>
+        <p:blipFill>
+          <a:blip r:embed="rId4">
+            <a:extLst>
+              <a:ext uri="{28A0092B-C50C-407E-A947-70E740481C1C}">
+                <a14:useLocalDpi xmlns:a14="http://schemas.microsoft.com/office/drawing/2010/main" val="0"/>
+              </a:ext>
+            </a:extLst>
+          </a:blip>
+          <a:stretch>
+            <a:fillRect/>
+          </a:stretch>
+        </p:blipFill>
+        <p:spPr>
+          <a:xfrm>
+            <a:off x="6520052" y="204574"/>
+            <a:ext cx="4656223" cy="6233700"/>
+          </a:xfrm>
+          <a:prstGeom prst="rect">
+            <a:avLst/>
+          </a:prstGeom>
+        </p:spPr>
+      </p:pic>
+    </p:spTree>
+    <p:extLst>
+      <p:ext uri="{BB962C8B-B14F-4D97-AF65-F5344CB8AC3E}">
+        <p14:creationId xmlns:p14="http://schemas.microsoft.com/office/powerpoint/2010/main" val="1004546048"/>
+      </p:ext>
+    </p:extLst>
+  </p:cSld>
+  <p:clrMapOvr>
+    <a:masterClrMapping/>
+  </p:clrMapOvr>
+</p:sld>
+</file>
+
+<file path=ppt/slides/slide15.xml><?xml version="1.0" encoding="utf-8"?>
+<p:sld xmlns:a="http://schemas.openxmlformats.org/drawingml/2006/main" xmlns:r="http://schemas.openxmlformats.org/officeDocument/2006/relationships" xmlns:p="http://schemas.openxmlformats.org/presentationml/2006/main">
+  <p:cSld>
+    <p:spTree>
+      <p:nvGrpSpPr>
+        <p:cNvPr id="1" name=""/>
+        <p:cNvGrpSpPr/>
+        <p:nvPr/>
+      </p:nvGrpSpPr>
+      <p:grpSpPr>
+        <a:xfrm>
+          <a:off x="0" y="0"/>
+          <a:ext cx="0" cy="0"/>
+          <a:chOff x="0" y="0"/>
+          <a:chExt cx="0" cy="0"/>
+        </a:xfrm>
+      </p:grpSpPr>
+      <p:pic>
+        <p:nvPicPr>
+          <p:cNvPr id="4" name="图片 3"/>
+          <p:cNvPicPr>
+            <a:picLocks noChangeAspect="1"/>
+          </p:cNvPicPr>
+          <p:nvPr/>
+        </p:nvPicPr>
+        <p:blipFill>
+          <a:blip r:embed="rId2">
+            <a:extLst>
+              <a:ext uri="{28A0092B-C50C-407E-A947-70E740481C1C}">
+                <a14:useLocalDpi xmlns:a14="http://schemas.microsoft.com/office/drawing/2010/main" val="0"/>
+              </a:ext>
+            </a:extLst>
+          </a:blip>
+          <a:stretch>
+            <a:fillRect/>
+          </a:stretch>
+        </p:blipFill>
+        <p:spPr>
+          <a:xfrm>
+            <a:off x="4186553" y="348339"/>
+            <a:ext cx="3496163" cy="2324424"/>
+          </a:xfrm>
+          <a:prstGeom prst="rect">
+            <a:avLst/>
+          </a:prstGeom>
+        </p:spPr>
+      </p:pic>
+      <p:pic>
+        <p:nvPicPr>
+          <p:cNvPr id="5" name="图片 4"/>
+          <p:cNvPicPr>
+            <a:picLocks noChangeAspect="1"/>
+          </p:cNvPicPr>
+          <p:nvPr/>
+        </p:nvPicPr>
+        <p:blipFill>
+          <a:blip r:embed="rId3">
+            <a:extLst>
+              <a:ext uri="{28A0092B-C50C-407E-A947-70E740481C1C}">
+                <a14:useLocalDpi xmlns:a14="http://schemas.microsoft.com/office/drawing/2010/main" val="0"/>
+              </a:ext>
+            </a:extLst>
+          </a:blip>
+          <a:stretch>
+            <a:fillRect/>
+          </a:stretch>
+        </p:blipFill>
+        <p:spPr>
+          <a:xfrm>
+            <a:off x="322766" y="356183"/>
+            <a:ext cx="3496163" cy="2362530"/>
+          </a:xfrm>
+          <a:prstGeom prst="rect">
+            <a:avLst/>
+          </a:prstGeom>
+        </p:spPr>
+      </p:pic>
+      <p:pic>
+        <p:nvPicPr>
+          <p:cNvPr id="6" name="图片 5"/>
+          <p:cNvPicPr>
+            <a:picLocks noChangeAspect="1"/>
+          </p:cNvPicPr>
+          <p:nvPr/>
+        </p:nvPicPr>
+        <p:blipFill>
+          <a:blip r:embed="rId4">
+            <a:extLst>
+              <a:ext uri="{28A0092B-C50C-407E-A947-70E740481C1C}">
+                <a14:useLocalDpi xmlns:a14="http://schemas.microsoft.com/office/drawing/2010/main" val="0"/>
+              </a:ext>
+            </a:extLst>
+          </a:blip>
+          <a:stretch>
+            <a:fillRect/>
+          </a:stretch>
+        </p:blipFill>
+        <p:spPr>
+          <a:xfrm>
+            <a:off x="8489613" y="356744"/>
+            <a:ext cx="3496163" cy="2343477"/>
+          </a:xfrm>
+          <a:prstGeom prst="rect">
+            <a:avLst/>
+          </a:prstGeom>
+        </p:spPr>
+      </p:pic>
+      <p:sp>
+        <p:nvSpPr>
+          <p:cNvPr id="2" name="文本框 1"/>
+          <p:cNvSpPr txBox="1"/>
+          <p:nvPr/>
+        </p:nvSpPr>
+        <p:spPr>
+          <a:xfrm>
+            <a:off x="179754" y="3094892"/>
+            <a:ext cx="10160000" cy="1200329"/>
+          </a:xfrm>
+          <a:prstGeom prst="rect">
+            <a:avLst/>
+          </a:prstGeom>
+          <a:noFill/>
+        </p:spPr>
+        <p:txBody>
+          <a:bodyPr wrap="square" rtlCol="0">
+            <a:spAutoFit/>
+          </a:bodyPr>
+          <a:lstStyle/>
+          <a:p>
+            <a:r>
+              <a:rPr lang="zh-CN" altLang="en-US" dirty="0" smtClean="0"/>
+              <a:t>先说我们去除了</a:t>
+            </a:r>
+            <a:r>
+              <a:rPr lang="en-US" altLang="zh-CN" dirty="0" err="1" smtClean="0"/>
+              <a:t>Fanoxic</a:t>
+            </a:r>
+            <a:r>
+              <a:rPr lang="zh-CN" altLang="en-US" dirty="0" smtClean="0"/>
+              <a:t>之后，</a:t>
+            </a:r>
+            <a:r>
+              <a:rPr lang="en-US" altLang="zh-CN" dirty="0" smtClean="0"/>
+              <a:t>GOE</a:t>
+            </a:r>
+            <a:r>
+              <a:rPr lang="zh-CN" altLang="en-US" dirty="0" smtClean="0"/>
+              <a:t>提前了，因为前期磷多了。然后磷风化受控于表露面积，所以延迟了。可以画个氧气，氮磷比，可用性氮图给他。然后再比较元古代的</a:t>
+            </a:r>
+            <a:r>
+              <a:rPr lang="en-US" altLang="zh-CN" dirty="0" smtClean="0"/>
+              <a:t>NO3-</a:t>
+            </a:r>
+            <a:r>
+              <a:rPr lang="zh-CN" altLang="en-US" dirty="0" smtClean="0"/>
+              <a:t>，告诉他别人的，我们的高了，可能是因为逻辑，我也改过逻辑，但不太行，给他看改过之后可以升高的阶，让他看看是不是问题。下一步就是同位素模拟，告诉他别人的地质记录。再下一步就是想些假设给他。</a:t>
+            </a:r>
+            <a:endParaRPr lang="zh-CN" altLang="en-US" dirty="0"/>
+          </a:p>
+        </p:txBody>
+      </p:sp>
+    </p:spTree>
+    <p:extLst>
+      <p:ext uri="{BB962C8B-B14F-4D97-AF65-F5344CB8AC3E}">
+        <p14:creationId xmlns:p14="http://schemas.microsoft.com/office/powerpoint/2010/main" val="4054259044"/>
+      </p:ext>
+    </p:extLst>
+  </p:cSld>
+  <p:clrMapOvr>
+    <a:masterClrMapping/>
+  </p:clrMapOvr>
+</p:sld>
+</file>
+
+<file path=ppt/slides/slide2.xml><?xml version="1.0" encoding="utf-8"?>
+<p:sld xmlns:a="http://schemas.openxmlformats.org/drawingml/2006/main" xmlns:r="http://schemas.openxmlformats.org/officeDocument/2006/relationships" xmlns:p="http://schemas.openxmlformats.org/presentationml/2006/main">
+  <p:cSld>
+    <p:spTree>
+      <p:nvGrpSpPr>
+        <p:cNvPr id="1" name=""/>
+        <p:cNvGrpSpPr/>
+        <p:nvPr/>
+      </p:nvGrpSpPr>
+      <p:grpSpPr>
+        <a:xfrm>
+          <a:off x="0" y="0"/>
+          <a:ext cx="0" cy="0"/>
+          <a:chOff x="0" y="0"/>
+          <a:chExt cx="0" cy="0"/>
+        </a:xfrm>
+      </p:grpSpPr>
+      <p:pic>
+        <p:nvPicPr>
+          <p:cNvPr id="4" name="图片 3"/>
+          <p:cNvPicPr>
+            <a:picLocks noChangeAspect="1"/>
+          </p:cNvPicPr>
+          <p:nvPr/>
+        </p:nvPicPr>
+        <p:blipFill>
+          <a:blip r:embed="rId2">
+            <a:extLst>
+              <a:ext uri="{28A0092B-C50C-407E-A947-70E740481C1C}">
+                <a14:useLocalDpi xmlns:a14="http://schemas.microsoft.com/office/drawing/2010/main" val="0"/>
+              </a:ext>
+            </a:extLst>
+          </a:blip>
+          <a:stretch>
+            <a:fillRect/>
+          </a:stretch>
+        </p:blipFill>
+        <p:spPr>
+          <a:xfrm>
+            <a:off x="260011" y="142150"/>
+            <a:ext cx="3621708" cy="2407893"/>
+          </a:xfrm>
+          <a:prstGeom prst="rect">
+            <a:avLst/>
+          </a:prstGeom>
+        </p:spPr>
+      </p:pic>
+      <p:pic>
+        <p:nvPicPr>
+          <p:cNvPr id="5" name="图片 4"/>
+          <p:cNvPicPr>
+            <a:picLocks noChangeAspect="1"/>
+          </p:cNvPicPr>
+          <p:nvPr/>
+        </p:nvPicPr>
+        <p:blipFill>
+          <a:blip r:embed="rId3">
+            <a:extLst>
+              <a:ext uri="{28A0092B-C50C-407E-A947-70E740481C1C}">
+                <a14:useLocalDpi xmlns:a14="http://schemas.microsoft.com/office/drawing/2010/main" val="0"/>
+              </a:ext>
+            </a:extLst>
+          </a:blip>
+          <a:stretch>
+            <a:fillRect/>
+          </a:stretch>
+        </p:blipFill>
+        <p:spPr>
+          <a:xfrm>
+            <a:off x="4208360" y="184597"/>
+            <a:ext cx="3704290" cy="2307591"/>
+          </a:xfrm>
+          <a:prstGeom prst="rect">
+            <a:avLst/>
+          </a:prstGeom>
+        </p:spPr>
+      </p:pic>
+      <p:sp>
+        <p:nvSpPr>
+          <p:cNvPr id="6" name="矩形 5"/>
+          <p:cNvSpPr/>
+          <p:nvPr/>
+        </p:nvSpPr>
+        <p:spPr>
+          <a:xfrm>
+            <a:off x="6257365" y="242047"/>
+            <a:ext cx="1730188" cy="564777"/>
+          </a:xfrm>
+          <a:prstGeom prst="rect">
+            <a:avLst/>
+          </a:prstGeom>
+          <a:noFill/>
+          <a:ln w="28575">
+            <a:solidFill>
+              <a:srgbClr val="FF0000"/>
+            </a:solidFill>
+          </a:ln>
+        </p:spPr>
+        <p:style>
+          <a:lnRef idx="2">
+            <a:schemeClr val="accent1">
+              <a:shade val="50000"/>
+            </a:schemeClr>
+          </a:lnRef>
+          <a:fillRef idx="1">
+            <a:schemeClr val="accent1"/>
+          </a:fillRef>
+          <a:effectRef idx="0">
+            <a:schemeClr val="accent1"/>
+          </a:effectRef>
+          <a:fontRef idx="minor">
+            <a:schemeClr val="lt1"/>
+          </a:fontRef>
+        </p:style>
+        <p:txBody>
+          <a:bodyPr rtlCol="0" anchor="ctr"/>
+          <a:lstStyle/>
+          <a:p>
+            <a:pPr algn="ctr"/>
+            <a:endParaRPr lang="zh-CN" altLang="en-US"/>
+          </a:p>
+        </p:txBody>
+      </p:sp>
+      <p:pic>
+        <p:nvPicPr>
+          <p:cNvPr id="8" name="图片 7"/>
+          <p:cNvPicPr>
+            <a:picLocks noChangeAspect="1"/>
+          </p:cNvPicPr>
+          <p:nvPr/>
+        </p:nvPicPr>
+        <p:blipFill>
+          <a:blip r:embed="rId4">
+            <a:extLst>
+              <a:ext uri="{28A0092B-C50C-407E-A947-70E740481C1C}">
+                <a14:useLocalDpi xmlns:a14="http://schemas.microsoft.com/office/drawing/2010/main" val="0"/>
+              </a:ext>
+            </a:extLst>
+          </a:blip>
+          <a:stretch>
+            <a:fillRect/>
+          </a:stretch>
+        </p:blipFill>
+        <p:spPr>
+          <a:xfrm>
+            <a:off x="125592" y="2656664"/>
+            <a:ext cx="8337002" cy="594412"/>
+          </a:xfrm>
+          <a:prstGeom prst="rect">
+            <a:avLst/>
+          </a:prstGeom>
+        </p:spPr>
+      </p:pic>
+      <p:pic>
+        <p:nvPicPr>
+          <p:cNvPr id="10" name="图片 9"/>
+          <p:cNvPicPr>
+            <a:picLocks noChangeAspect="1"/>
+          </p:cNvPicPr>
+          <p:nvPr/>
+        </p:nvPicPr>
+        <p:blipFill>
+          <a:blip r:embed="rId5">
+            <a:extLst>
+              <a:ext uri="{28A0092B-C50C-407E-A947-70E740481C1C}">
+                <a14:useLocalDpi xmlns:a14="http://schemas.microsoft.com/office/drawing/2010/main" val="0"/>
+              </a:ext>
+            </a:extLst>
+          </a:blip>
+          <a:stretch>
+            <a:fillRect/>
+          </a:stretch>
+        </p:blipFill>
+        <p:spPr>
+          <a:xfrm>
+            <a:off x="122633" y="3293171"/>
+            <a:ext cx="8402803" cy="574292"/>
+          </a:xfrm>
+          <a:prstGeom prst="rect">
+            <a:avLst/>
+          </a:prstGeom>
+        </p:spPr>
+      </p:pic>
+      <p:pic>
+        <p:nvPicPr>
+          <p:cNvPr id="11" name="图片 10"/>
+          <p:cNvPicPr>
+            <a:picLocks noChangeAspect="1"/>
+          </p:cNvPicPr>
+          <p:nvPr/>
+        </p:nvPicPr>
+        <p:blipFill>
+          <a:blip r:embed="rId6">
+            <a:extLst>
+              <a:ext uri="{28A0092B-C50C-407E-A947-70E740481C1C}">
+                <a14:useLocalDpi xmlns:a14="http://schemas.microsoft.com/office/drawing/2010/main" val="0"/>
+              </a:ext>
+            </a:extLst>
+          </a:blip>
+          <a:stretch>
+            <a:fillRect/>
+          </a:stretch>
+        </p:blipFill>
+        <p:spPr>
+          <a:xfrm>
+            <a:off x="117742" y="3801472"/>
+            <a:ext cx="7224352" cy="2931023"/>
+          </a:xfrm>
+          <a:prstGeom prst="rect">
+            <a:avLst/>
+          </a:prstGeom>
+        </p:spPr>
+      </p:pic>
+      <p:pic>
+        <p:nvPicPr>
+          <p:cNvPr id="12" name="图片 11"/>
+          <p:cNvPicPr>
+            <a:picLocks noChangeAspect="1"/>
+          </p:cNvPicPr>
+          <p:nvPr/>
+        </p:nvPicPr>
+        <p:blipFill>
+          <a:blip r:embed="rId7">
+            <a:extLst>
+              <a:ext uri="{28A0092B-C50C-407E-A947-70E740481C1C}">
+                <a14:useLocalDpi xmlns:a14="http://schemas.microsoft.com/office/drawing/2010/main" val="0"/>
+              </a:ext>
+            </a:extLst>
+          </a:blip>
+          <a:stretch>
+            <a:fillRect/>
+          </a:stretch>
+        </p:blipFill>
+        <p:spPr>
+          <a:xfrm>
+            <a:off x="8548401" y="209025"/>
+            <a:ext cx="3399942" cy="2175587"/>
+          </a:xfrm>
+          <a:prstGeom prst="rect">
+            <a:avLst/>
+          </a:prstGeom>
+        </p:spPr>
+      </p:pic>
+      <p:pic>
+        <p:nvPicPr>
+          <p:cNvPr id="2" name="图片 1"/>
+          <p:cNvPicPr>
+            <a:picLocks noChangeAspect="1"/>
+          </p:cNvPicPr>
+          <p:nvPr/>
+        </p:nvPicPr>
+        <p:blipFill>
+          <a:blip r:embed="rId8">
+            <a:extLst>
+              <a:ext uri="{28A0092B-C50C-407E-A947-70E740481C1C}">
+                <a14:useLocalDpi xmlns:a14="http://schemas.microsoft.com/office/drawing/2010/main" val="0"/>
+              </a:ext>
+            </a:extLst>
+          </a:blip>
+          <a:stretch>
+            <a:fillRect/>
+          </a:stretch>
+        </p:blipFill>
+        <p:spPr>
+          <a:xfrm>
+            <a:off x="8695424" y="2793326"/>
+            <a:ext cx="3211849" cy="2074509"/>
+          </a:xfrm>
+          <a:prstGeom prst="rect">
+            <a:avLst/>
+          </a:prstGeom>
+        </p:spPr>
+      </p:pic>
+    </p:spTree>
+    <p:extLst>
+      <p:ext uri="{BB962C8B-B14F-4D97-AF65-F5344CB8AC3E}">
+        <p14:creationId xmlns:p14="http://schemas.microsoft.com/office/powerpoint/2010/main" val="2125765927"/>
+      </p:ext>
+    </p:extLst>
+  </p:cSld>
+  <p:clrMapOvr>
+    <a:masterClrMapping/>
+  </p:clrMapOvr>
+</p:sld>
+</file>
+
+<file path=ppt/slides/slide3.xml><?xml version="1.0" encoding="utf-8"?>
+<p:sld xmlns:a="http://schemas.openxmlformats.org/drawingml/2006/main" xmlns:r="http://schemas.openxmlformats.org/officeDocument/2006/relationships" xmlns:p="http://schemas.openxmlformats.org/presentationml/2006/main">
+  <p:cSld>
+    <p:spTree>
+      <p:nvGrpSpPr>
+        <p:cNvPr id="1" name=""/>
+        <p:cNvGrpSpPr/>
+        <p:nvPr/>
+      </p:nvGrpSpPr>
+      <p:grpSpPr>
+        <a:xfrm>
+          <a:off x="0" y="0"/>
+          <a:ext cx="0" cy="0"/>
+          <a:chOff x="0" y="0"/>
+          <a:chExt cx="0" cy="0"/>
+        </a:xfrm>
+      </p:grpSpPr>
+      <p:pic>
+        <p:nvPicPr>
+          <p:cNvPr id="4" name="图片 3"/>
+          <p:cNvPicPr>
+            <a:picLocks noChangeAspect="1"/>
+          </p:cNvPicPr>
+          <p:nvPr/>
+        </p:nvPicPr>
+        <p:blipFill>
+          <a:blip r:embed="rId2">
+            <a:extLst>
+              <a:ext uri="{28A0092B-C50C-407E-A947-70E740481C1C}">
+                <a14:useLocalDpi xmlns:a14="http://schemas.microsoft.com/office/drawing/2010/main" val="0"/>
+              </a:ext>
+            </a:extLst>
+          </a:blip>
+          <a:stretch>
+            <a:fillRect/>
+          </a:stretch>
+        </p:blipFill>
+        <p:spPr>
+          <a:xfrm>
+            <a:off x="402091" y="768529"/>
+            <a:ext cx="4610500" cy="4496190"/>
+          </a:xfrm>
+          <a:prstGeom prst="rect">
+            <a:avLst/>
+          </a:prstGeom>
+        </p:spPr>
+      </p:pic>
+      <p:pic>
+        <p:nvPicPr>
+          <p:cNvPr id="5" name="图片 4"/>
+          <p:cNvPicPr>
+            <a:picLocks noChangeAspect="1"/>
+          </p:cNvPicPr>
+          <p:nvPr/>
+        </p:nvPicPr>
+        <p:blipFill>
+          <a:blip r:embed="rId3">
+            <a:extLst>
+              <a:ext uri="{28A0092B-C50C-407E-A947-70E740481C1C}">
+                <a14:useLocalDpi xmlns:a14="http://schemas.microsoft.com/office/drawing/2010/main" val="0"/>
+              </a:ext>
+            </a:extLst>
+          </a:blip>
+          <a:stretch>
+            <a:fillRect/>
+          </a:stretch>
+        </p:blipFill>
+        <p:spPr>
+          <a:xfrm>
+            <a:off x="5742066" y="814789"/>
+            <a:ext cx="6355631" cy="2377646"/>
+          </a:xfrm>
+          <a:prstGeom prst="rect">
+            <a:avLst/>
+          </a:prstGeom>
+        </p:spPr>
+      </p:pic>
+      <p:sp>
+        <p:nvSpPr>
+          <p:cNvPr id="6" name="矩形 5"/>
+          <p:cNvSpPr/>
+          <p:nvPr/>
+        </p:nvSpPr>
+        <p:spPr>
+          <a:xfrm>
+            <a:off x="8180211" y="250123"/>
+            <a:ext cx="833883" cy="369332"/>
+          </a:xfrm>
+          <a:prstGeom prst="rect">
+            <a:avLst/>
+          </a:prstGeom>
+        </p:spPr>
+        <p:txBody>
+          <a:bodyPr wrap="none">
+            <a:spAutoFit/>
+          </a:bodyPr>
+          <a:lstStyle/>
+          <a:p>
+            <a:r>
+              <a:rPr lang="zh-CN" altLang="en-US" smtClean="0"/>
+              <a:t>before</a:t>
+            </a:r>
+            <a:endParaRPr lang="zh-CN" altLang="en-US" dirty="0"/>
+          </a:p>
+        </p:txBody>
+      </p:sp>
+      <p:sp>
+        <p:nvSpPr>
+          <p:cNvPr id="7" name="矩形 6"/>
+          <p:cNvSpPr/>
+          <p:nvPr/>
+        </p:nvSpPr>
+        <p:spPr>
+          <a:xfrm>
+            <a:off x="1489813" y="187369"/>
+            <a:ext cx="606256" cy="369332"/>
+          </a:xfrm>
+          <a:prstGeom prst="rect">
+            <a:avLst/>
+          </a:prstGeom>
+        </p:spPr>
+        <p:txBody>
+          <a:bodyPr wrap="none">
+            <a:spAutoFit/>
+          </a:bodyPr>
+          <a:lstStyle/>
+          <a:p>
+            <a:r>
+              <a:rPr lang="zh-CN" altLang="en-US" dirty="0"/>
+              <a:t>now</a:t>
+            </a:r>
+          </a:p>
+        </p:txBody>
+      </p:sp>
+      <p:sp>
+        <p:nvSpPr>
+          <p:cNvPr id="8" name="矩形 7"/>
+          <p:cNvSpPr/>
+          <p:nvPr/>
+        </p:nvSpPr>
+        <p:spPr>
+          <a:xfrm>
+            <a:off x="914401" y="3666565"/>
+            <a:ext cx="708211" cy="1595717"/>
+          </a:xfrm>
+          <a:prstGeom prst="rect">
+            <a:avLst/>
+          </a:prstGeom>
+          <a:noFill/>
+          <a:ln w="28575">
+            <a:solidFill>
+              <a:srgbClr val="FF0000"/>
+            </a:solidFill>
+          </a:ln>
+        </p:spPr>
+        <p:style>
+          <a:lnRef idx="2">
+            <a:schemeClr val="accent1">
+              <a:shade val="50000"/>
+            </a:schemeClr>
+          </a:lnRef>
+          <a:fillRef idx="1">
+            <a:schemeClr val="accent1"/>
+          </a:fillRef>
+          <a:effectRef idx="0">
+            <a:schemeClr val="accent1"/>
+          </a:effectRef>
+          <a:fontRef idx="minor">
+            <a:schemeClr val="lt1"/>
+          </a:fontRef>
+        </p:style>
+        <p:txBody>
+          <a:bodyPr rtlCol="0" anchor="ctr"/>
+          <a:lstStyle/>
+          <a:p>
+            <a:pPr algn="ctr"/>
+            <a:endParaRPr lang="zh-CN" altLang="en-US"/>
+          </a:p>
+        </p:txBody>
+      </p:sp>
+    </p:spTree>
+    <p:extLst>
+      <p:ext uri="{BB962C8B-B14F-4D97-AF65-F5344CB8AC3E}">
+        <p14:creationId xmlns:p14="http://schemas.microsoft.com/office/powerpoint/2010/main" val="2965782794"/>
+      </p:ext>
+    </p:extLst>
+  </p:cSld>
+  <p:clrMapOvr>
+    <a:masterClrMapping/>
+  </p:clrMapOvr>
+</p:sld>
+</file>
+
+<file path=ppt/slides/slide4.xml><?xml version="1.0" encoding="utf-8"?>
+<p:sld xmlns:a="http://schemas.openxmlformats.org/drawingml/2006/main" xmlns:r="http://schemas.openxmlformats.org/officeDocument/2006/relationships" xmlns:p="http://schemas.openxmlformats.org/presentationml/2006/main">
+  <p:cSld>
+    <p:spTree>
+      <p:nvGrpSpPr>
+        <p:cNvPr id="1" name=""/>
+        <p:cNvGrpSpPr/>
+        <p:nvPr/>
+      </p:nvGrpSpPr>
+      <p:grpSpPr>
+        <a:xfrm>
+          <a:off x="0" y="0"/>
+          <a:ext cx="0" cy="0"/>
+          <a:chOff x="0" y="0"/>
+          <a:chExt cx="0" cy="0"/>
+        </a:xfrm>
+      </p:grpSpPr>
+      <p:sp>
+        <p:nvSpPr>
+          <p:cNvPr id="5" name="矩形 4"/>
+          <p:cNvSpPr/>
+          <p:nvPr/>
+        </p:nvSpPr>
+        <p:spPr>
+          <a:xfrm>
+            <a:off x="154411" y="169440"/>
+            <a:ext cx="3708066" cy="369332"/>
+          </a:xfrm>
+          <a:prstGeom prst="rect">
+            <a:avLst/>
+          </a:prstGeom>
+        </p:spPr>
+        <p:txBody>
+          <a:bodyPr wrap="none">
+            <a:spAutoFit/>
+          </a:bodyPr>
+          <a:lstStyle/>
+          <a:p>
+            <a:r>
+              <a:rPr lang="zh-CN" altLang="en-US" dirty="0"/>
+              <a:t>If </a:t>
+            </a:r>
+            <a:r>
+              <a:rPr lang="zh-CN" altLang="en-US" dirty="0" smtClean="0"/>
+              <a:t>think </a:t>
+            </a:r>
+            <a:r>
+              <a:rPr lang="zh-CN" altLang="en-US" dirty="0"/>
+              <a:t>about adding NH4+ to NH3</a:t>
+            </a:r>
+          </a:p>
+        </p:txBody>
+      </p:sp>
+      <p:pic>
+        <p:nvPicPr>
+          <p:cNvPr id="6" name="图片 5"/>
+          <p:cNvPicPr>
+            <a:picLocks noChangeAspect="1"/>
+          </p:cNvPicPr>
+          <p:nvPr/>
+        </p:nvPicPr>
+        <p:blipFill>
+          <a:blip r:embed="rId2">
+            <a:extLst>
+              <a:ext uri="{28A0092B-C50C-407E-A947-70E740481C1C}">
+                <a14:useLocalDpi xmlns:a14="http://schemas.microsoft.com/office/drawing/2010/main" val="0"/>
+              </a:ext>
+            </a:extLst>
+          </a:blip>
+          <a:stretch>
+            <a:fillRect/>
+          </a:stretch>
+        </p:blipFill>
+        <p:spPr>
+          <a:xfrm>
+            <a:off x="149919" y="904463"/>
+            <a:ext cx="10355366" cy="3291020"/>
+          </a:xfrm>
+          <a:prstGeom prst="rect">
+            <a:avLst/>
+          </a:prstGeom>
+        </p:spPr>
+      </p:pic>
+    </p:spTree>
+    <p:extLst>
+      <p:ext uri="{BB962C8B-B14F-4D97-AF65-F5344CB8AC3E}">
+        <p14:creationId xmlns:p14="http://schemas.microsoft.com/office/powerpoint/2010/main" val="2806153306"/>
       </p:ext>
     </p:extLst>
   </p:cSld>
@@ -3733,7 +5314,7 @@
       </p:grpSpPr>
       <p:pic>
         <p:nvPicPr>
-          <p:cNvPr id="5" name="图片 4"/>
+          <p:cNvPr id="4" name="图片 3"/>
           <p:cNvPicPr>
             <a:picLocks noChangeAspect="1"/>
           </p:cNvPicPr>
@@ -3753,8 +5334,8 @@
         </p:blipFill>
         <p:spPr>
           <a:xfrm>
-            <a:off x="7295787" y="4087905"/>
-            <a:ext cx="4455076" cy="2770095"/>
+            <a:off x="0" y="475129"/>
+            <a:ext cx="5949096" cy="3693460"/>
           </a:xfrm>
           <a:prstGeom prst="rect">
             <a:avLst/>
@@ -3763,14 +5344,14 @@
       </p:pic>
       <p:pic>
         <p:nvPicPr>
-          <p:cNvPr id="6" name="图片 5"/>
+          <p:cNvPr id="5" name="图片 4"/>
           <p:cNvPicPr>
             <a:picLocks noChangeAspect="1"/>
           </p:cNvPicPr>
           <p:nvPr/>
         </p:nvPicPr>
         <p:blipFill>
-          <a:blip r:embed="rId3">
+          <a:blip r:embed="rId3" cstate="print">
             <a:extLst>
               <a:ext uri="{28A0092B-C50C-407E-A947-70E740481C1C}">
                 <a14:useLocalDpi xmlns:a14="http://schemas.microsoft.com/office/drawing/2010/main" val="0"/>
@@ -3783,8 +5364,8 @@
         </p:blipFill>
         <p:spPr>
           <a:xfrm>
-            <a:off x="7629677" y="195845"/>
-            <a:ext cx="3935482" cy="3901654"/>
+            <a:off x="6052754" y="537883"/>
+            <a:ext cx="5864412" cy="3630706"/>
           </a:xfrm>
           <a:prstGeom prst="rect">
             <a:avLst/>
@@ -3793,7 +5374,7 @@
       </p:pic>
       <p:pic>
         <p:nvPicPr>
-          <p:cNvPr id="9" name="图片 8"/>
+          <p:cNvPr id="7" name="图片 6"/>
           <p:cNvPicPr>
             <a:picLocks noChangeAspect="1"/>
           </p:cNvPicPr>
@@ -3813,8 +5394,8 @@
         </p:blipFill>
         <p:spPr>
           <a:xfrm>
-            <a:off x="160268" y="322729"/>
-            <a:ext cx="6728774" cy="6140824"/>
+            <a:off x="8464298" y="4039577"/>
+            <a:ext cx="3472816" cy="2818423"/>
           </a:xfrm>
           <a:prstGeom prst="rect">
             <a:avLst/>
@@ -3823,14 +5404,86 @@
       </p:pic>
       <p:sp>
         <p:nvSpPr>
-          <p:cNvPr id="10" name="矩形 9"/>
+          <p:cNvPr id="8" name="矩形 7"/>
           <p:cNvSpPr/>
           <p:nvPr/>
         </p:nvSpPr>
         <p:spPr>
           <a:xfrm>
-            <a:off x="132862" y="4165600"/>
-            <a:ext cx="6768123" cy="296985"/>
+            <a:off x="139908" y="88758"/>
+            <a:ext cx="2097049" cy="369332"/>
+          </a:xfrm>
+          <a:prstGeom prst="rect">
+            <a:avLst/>
+          </a:prstGeom>
+        </p:spPr>
+        <p:txBody>
+          <a:bodyPr wrap="none">
+            <a:spAutoFit/>
+          </a:bodyPr>
+          <a:lstStyle/>
+          <a:p>
+            <a:r>
+              <a:rPr lang="en-US" altLang="zh-CN" dirty="0" smtClean="0"/>
+              <a:t>With </a:t>
+            </a:r>
+            <a:r>
+              <a:rPr lang="zh-CN" altLang="en-US" dirty="0" smtClean="0"/>
+              <a:t>NH</a:t>
+            </a:r>
+            <a:r>
+              <a:rPr lang="zh-CN" altLang="en-US" dirty="0"/>
+              <a:t>4+ to NH3</a:t>
+            </a:r>
+          </a:p>
+        </p:txBody>
+      </p:sp>
+      <p:sp>
+        <p:nvSpPr>
+          <p:cNvPr id="9" name="矩形 8"/>
+          <p:cNvSpPr/>
+          <p:nvPr/>
+        </p:nvSpPr>
+        <p:spPr>
+          <a:xfrm>
+            <a:off x="6164191" y="97722"/>
+            <a:ext cx="2430474" cy="369332"/>
+          </a:xfrm>
+          <a:prstGeom prst="rect">
+            <a:avLst/>
+          </a:prstGeom>
+        </p:spPr>
+        <p:txBody>
+          <a:bodyPr wrap="none">
+            <a:spAutoFit/>
+          </a:bodyPr>
+          <a:lstStyle/>
+          <a:p>
+            <a:r>
+              <a:rPr lang="en-US" altLang="zh-CN" dirty="0" smtClean="0"/>
+              <a:t>Without </a:t>
+            </a:r>
+            <a:r>
+              <a:rPr lang="zh-CN" altLang="en-US" dirty="0" smtClean="0"/>
+              <a:t>NH</a:t>
+            </a:r>
+            <a:r>
+              <a:rPr lang="zh-CN" altLang="en-US" dirty="0"/>
+              <a:t>4+ to NH3</a:t>
+            </a:r>
+          </a:p>
+        </p:txBody>
+      </p:sp>
+      <p:sp>
+        <p:nvSpPr>
+          <p:cNvPr id="2" name="矩形 1"/>
+          <p:cNvSpPr/>
+          <p:nvPr/>
+        </p:nvSpPr>
+        <p:spPr>
+          <a:xfrm>
+            <a:off x="3218329" y="3021106"/>
+            <a:ext cx="1129553" cy="1093694"/>
           </a:xfrm>
           <a:prstGeom prst="rect">
             <a:avLst/>
@@ -3867,56 +5520,10 @@
           </a:p>
         </p:txBody>
       </p:sp>
-      <p:sp>
-        <p:nvSpPr>
-          <p:cNvPr id="11" name="矩形 10"/>
-          <p:cNvSpPr/>
-          <p:nvPr/>
-        </p:nvSpPr>
-        <p:spPr>
-          <a:xfrm>
-            <a:off x="66432" y="4927600"/>
-            <a:ext cx="6873630" cy="629138"/>
-          </a:xfrm>
-          <a:prstGeom prst="rect">
-            <a:avLst/>
-          </a:prstGeom>
-          <a:noFill/>
-          <a:ln w="28575">
-            <a:solidFill>
-              <a:srgbClr val="FF0000"/>
-            </a:solidFill>
-          </a:ln>
-        </p:spPr>
-        <p:style>
-          <a:lnRef idx="2">
-            <a:schemeClr val="accent1">
-              <a:shade val="50000"/>
-            </a:schemeClr>
-          </a:lnRef>
-          <a:fillRef idx="1">
-            <a:schemeClr val="accent1"/>
-          </a:fillRef>
-          <a:effectRef idx="0">
-            <a:schemeClr val="accent1"/>
-          </a:effectRef>
-          <a:fontRef idx="minor">
-            <a:schemeClr val="lt1"/>
-          </a:fontRef>
-        </p:style>
-        <p:txBody>
-          <a:bodyPr rtlCol="0" anchor="ctr"/>
-          <a:lstStyle/>
-          <a:p>
-            <a:pPr algn="ctr"/>
-            <a:endParaRPr lang="zh-CN" altLang="en-US"/>
-          </a:p>
-        </p:txBody>
-      </p:sp>
     </p:spTree>
     <p:extLst>
       <p:ext uri="{BB962C8B-B14F-4D97-AF65-F5344CB8AC3E}">
-        <p14:creationId xmlns:p14="http://schemas.microsoft.com/office/powerpoint/2010/main" val="3559456371"/>
+        <p14:creationId xmlns:p14="http://schemas.microsoft.com/office/powerpoint/2010/main" val="3064576046"/>
       </p:ext>
     </p:extLst>
   </p:cSld>
@@ -3945,7 +5552,7 @@
       </p:grpSpPr>
       <p:pic>
         <p:nvPicPr>
-          <p:cNvPr id="6" name="图片 5"/>
+          <p:cNvPr id="4" name="图片 3"/>
           <p:cNvPicPr>
             <a:picLocks noChangeAspect="1"/>
           </p:cNvPicPr>
@@ -3965,18 +5572,120 @@
         </p:blipFill>
         <p:spPr>
           <a:xfrm>
-            <a:off x="449382" y="93785"/>
-            <a:ext cx="5356848" cy="6326554"/>
+            <a:off x="107576" y="3759024"/>
+            <a:ext cx="8534040" cy="2596953"/>
           </a:xfrm>
           <a:prstGeom prst="rect">
             <a:avLst/>
           </a:prstGeom>
         </p:spPr>
       </p:pic>
+      <p:pic>
+        <p:nvPicPr>
+          <p:cNvPr id="5" name="图片 4"/>
+          <p:cNvPicPr>
+            <a:picLocks noChangeAspect="1"/>
+          </p:cNvPicPr>
+          <p:nvPr/>
+        </p:nvPicPr>
+        <p:blipFill>
+          <a:blip r:embed="rId3">
+            <a:extLst>
+              <a:ext uri="{28A0092B-C50C-407E-A947-70E740481C1C}">
+                <a14:useLocalDpi xmlns:a14="http://schemas.microsoft.com/office/drawing/2010/main" val="0"/>
+              </a:ext>
+            </a:extLst>
+          </a:blip>
+          <a:stretch>
+            <a:fillRect/>
+          </a:stretch>
+        </p:blipFill>
+        <p:spPr>
+          <a:xfrm>
+            <a:off x="126951" y="614655"/>
+            <a:ext cx="8442564" cy="2406451"/>
+          </a:xfrm>
+          <a:prstGeom prst="rect">
+            <a:avLst/>
+          </a:prstGeom>
+        </p:spPr>
+      </p:pic>
+      <p:sp>
+        <p:nvSpPr>
+          <p:cNvPr id="7" name="矩形 6"/>
+          <p:cNvSpPr/>
+          <p:nvPr/>
+        </p:nvSpPr>
+        <p:spPr>
+          <a:xfrm>
+            <a:off x="130943" y="187369"/>
+            <a:ext cx="2097049" cy="369332"/>
+          </a:xfrm>
+          <a:prstGeom prst="rect">
+            <a:avLst/>
+          </a:prstGeom>
+        </p:spPr>
+        <p:txBody>
+          <a:bodyPr wrap="none">
+            <a:spAutoFit/>
+          </a:bodyPr>
+          <a:lstStyle/>
+          <a:p>
+            <a:r>
+              <a:rPr lang="en-US" altLang="zh-CN" dirty="0" smtClean="0"/>
+              <a:t>With </a:t>
+            </a:r>
+            <a:r>
+              <a:rPr lang="zh-CN" altLang="en-US" dirty="0" smtClean="0"/>
+              <a:t>NH</a:t>
+            </a:r>
+            <a:r>
+              <a:rPr lang="zh-CN" altLang="en-US" dirty="0"/>
+              <a:t>4+ to NH3</a:t>
+            </a:r>
+          </a:p>
+        </p:txBody>
+      </p:sp>
+      <p:sp>
+        <p:nvSpPr>
+          <p:cNvPr id="8" name="矩形 7"/>
+          <p:cNvSpPr/>
+          <p:nvPr/>
+        </p:nvSpPr>
+        <p:spPr>
+          <a:xfrm>
+            <a:off x="211626" y="3235369"/>
+            <a:ext cx="2430474" cy="369332"/>
+          </a:xfrm>
+          <a:prstGeom prst="rect">
+            <a:avLst/>
+          </a:prstGeom>
+        </p:spPr>
+        <p:txBody>
+          <a:bodyPr wrap="none">
+            <a:spAutoFit/>
+          </a:bodyPr>
+          <a:lstStyle/>
+          <a:p>
+            <a:r>
+              <a:rPr lang="en-US" altLang="zh-CN" dirty="0" smtClean="0"/>
+              <a:t>Without </a:t>
+            </a:r>
+            <a:r>
+              <a:rPr lang="zh-CN" altLang="en-US" dirty="0" smtClean="0"/>
+              <a:t>NH</a:t>
+            </a:r>
+            <a:r>
+              <a:rPr lang="zh-CN" altLang="en-US" dirty="0"/>
+              <a:t>4+ to NH3</a:t>
+            </a:r>
+          </a:p>
+        </p:txBody>
+      </p:sp>
     </p:spTree>
     <p:extLst>
       <p:ext uri="{BB962C8B-B14F-4D97-AF65-F5344CB8AC3E}">
-        <p14:creationId xmlns:p14="http://schemas.microsoft.com/office/powerpoint/2010/main" val="3776689507"/>
+        <p14:creationId xmlns:p14="http://schemas.microsoft.com/office/powerpoint/2010/main" val="3673284574"/>
       </p:ext>
     </p:extLst>
   </p:cSld>
@@ -4012,21 +5721,15 @@
           <p:nvPr/>
         </p:nvPicPr>
         <p:blipFill>
-          <a:blip r:embed="rId2">
-            <a:extLst>
-              <a:ext uri="{28A0092B-C50C-407E-A947-70E740481C1C}">
-                <a14:useLocalDpi xmlns:a14="http://schemas.microsoft.com/office/drawing/2010/main" val="0"/>
-              </a:ext>
-            </a:extLst>
-          </a:blip>
+          <a:blip r:embed="rId2"/>
           <a:stretch>
             <a:fillRect/>
           </a:stretch>
         </p:blipFill>
         <p:spPr>
           <a:xfrm>
-            <a:off x="330699" y="0"/>
-            <a:ext cx="4632463" cy="6696635"/>
+            <a:off x="292301" y="155847"/>
+            <a:ext cx="6780239" cy="6427421"/>
           </a:xfrm>
           <a:prstGeom prst="rect">
             <a:avLst/>
@@ -4035,7 +5738,7 @@
       </p:pic>
       <p:pic>
         <p:nvPicPr>
-          <p:cNvPr id="6" name="图片 5"/>
+          <p:cNvPr id="2" name="图片 1"/>
           <p:cNvPicPr>
             <a:picLocks noChangeAspect="1"/>
           </p:cNvPicPr>
@@ -4055,38 +5758,8 @@
         </p:blipFill>
         <p:spPr>
           <a:xfrm>
-            <a:off x="6864016" y="328106"/>
-            <a:ext cx="5204331" cy="2165002"/>
-          </a:xfrm>
-          <a:prstGeom prst="rect">
-            <a:avLst/>
-          </a:prstGeom>
-        </p:spPr>
-      </p:pic>
-      <p:pic>
-        <p:nvPicPr>
-          <p:cNvPr id="7" name="图片 6"/>
-          <p:cNvPicPr>
-            <a:picLocks noChangeAspect="1"/>
-          </p:cNvPicPr>
-          <p:nvPr/>
-        </p:nvPicPr>
-        <p:blipFill>
-          <a:blip r:embed="rId4">
-            <a:extLst>
-              <a:ext uri="{28A0092B-C50C-407E-A947-70E740481C1C}">
-                <a14:useLocalDpi xmlns:a14="http://schemas.microsoft.com/office/drawing/2010/main" val="0"/>
-              </a:ext>
-            </a:extLst>
-          </a:blip>
-          <a:stretch>
-            <a:fillRect/>
-          </a:stretch>
-        </p:blipFill>
-        <p:spPr>
-          <a:xfrm>
-            <a:off x="7151105" y="3078763"/>
-            <a:ext cx="4829849" cy="3639058"/>
+            <a:off x="6555428" y="928446"/>
+            <a:ext cx="5464013" cy="1684166"/>
           </a:xfrm>
           <a:prstGeom prst="rect">
             <a:avLst/>
@@ -4096,7 +5769,7 @@
     </p:spTree>
     <p:extLst>
       <p:ext uri="{BB962C8B-B14F-4D97-AF65-F5344CB8AC3E}">
-        <p14:creationId xmlns:p14="http://schemas.microsoft.com/office/powerpoint/2010/main" val="1687858990"/>
+        <p14:creationId xmlns:p14="http://schemas.microsoft.com/office/powerpoint/2010/main" val="4086620688"/>
       </p:ext>
     </p:extLst>
   </p:cSld>
@@ -4125,22 +5798,88 @@
       </p:grpSpPr>
       <p:pic>
         <p:nvPicPr>
-          <p:cNvPr id="5" name="图片 4"/>
+          <p:cNvPr id="2" name="图片 1"/>
           <p:cNvPicPr>
             <a:picLocks noChangeAspect="1"/>
           </p:cNvPicPr>
           <p:nvPr/>
         </p:nvPicPr>
         <p:blipFill>
-          <a:blip r:embed="rId2"/>
+          <a:blip r:embed="rId2">
+            <a:extLst>
+              <a:ext uri="{28A0092B-C50C-407E-A947-70E740481C1C}">
+                <a14:useLocalDpi xmlns:a14="http://schemas.microsoft.com/office/drawing/2010/main" val="0"/>
+              </a:ext>
+            </a:extLst>
+          </a:blip>
           <a:stretch>
             <a:fillRect/>
           </a:stretch>
         </p:blipFill>
         <p:spPr>
           <a:xfrm>
-            <a:off x="4980842" y="281353"/>
-            <a:ext cx="6780239" cy="6427421"/>
+            <a:off x="458723" y="251943"/>
+            <a:ext cx="7994995" cy="5633728"/>
+          </a:xfrm>
+          <a:prstGeom prst="rect">
+            <a:avLst/>
+          </a:prstGeom>
+        </p:spPr>
+      </p:pic>
+    </p:spTree>
+    <p:extLst>
+      <p:ext uri="{BB962C8B-B14F-4D97-AF65-F5344CB8AC3E}">
+        <p14:creationId xmlns:p14="http://schemas.microsoft.com/office/powerpoint/2010/main" val="3438239698"/>
+      </p:ext>
+    </p:extLst>
+  </p:cSld>
+  <p:clrMapOvr>
+    <a:masterClrMapping/>
+  </p:clrMapOvr>
+</p:sld>
+</file>
+
+<file path=ppt/slides/slide9.xml><?xml version="1.0" encoding="utf-8"?>
+<p:sld xmlns:a="http://schemas.openxmlformats.org/drawingml/2006/main" xmlns:r="http://schemas.openxmlformats.org/officeDocument/2006/relationships" xmlns:p="http://schemas.openxmlformats.org/presentationml/2006/main">
+  <p:cSld>
+    <p:spTree>
+      <p:nvGrpSpPr>
+        <p:cNvPr id="1" name=""/>
+        <p:cNvGrpSpPr/>
+        <p:nvPr/>
+      </p:nvGrpSpPr>
+      <p:grpSpPr>
+        <a:xfrm>
+          <a:off x="0" y="0"/>
+          <a:ext cx="0" cy="0"/>
+          <a:chOff x="0" y="0"/>
+          <a:chExt cx="0" cy="0"/>
+        </a:xfrm>
+      </p:grpSpPr>
+      <p:pic>
+        <p:nvPicPr>
+          <p:cNvPr id="4" name="图片 3"/>
+          <p:cNvPicPr>
+            <a:picLocks noChangeAspect="1"/>
+          </p:cNvPicPr>
+          <p:nvPr/>
+        </p:nvPicPr>
+        <p:blipFill>
+          <a:blip r:embed="rId2">
+            <a:extLst>
+              <a:ext uri="{28A0092B-C50C-407E-A947-70E740481C1C}">
+                <a14:useLocalDpi xmlns:a14="http://schemas.microsoft.com/office/drawing/2010/main" val="0"/>
+              </a:ext>
+            </a:extLst>
+          </a:blip>
+          <a:stretch>
+            <a:fillRect/>
+          </a:stretch>
+        </p:blipFill>
+        <p:spPr>
+          <a:xfrm>
+            <a:off x="207824" y="1735016"/>
+            <a:ext cx="4309469" cy="2544962"/>
           </a:xfrm>
           <a:prstGeom prst="rect">
             <a:avLst/>
@@ -4149,7 +5888,7 @@
       </p:pic>
       <p:pic>
         <p:nvPicPr>
-          <p:cNvPr id="6" name="图片 5"/>
+          <p:cNvPr id="5" name="图片 4"/>
           <p:cNvPicPr>
             <a:picLocks noChangeAspect="1"/>
           </p:cNvPicPr>
@@ -4169,18 +5908,124 @@
         </p:blipFill>
         <p:spPr>
           <a:xfrm>
-            <a:off x="307626" y="1071908"/>
-            <a:ext cx="5436682" cy="3419258"/>
+            <a:off x="0" y="4789909"/>
+            <a:ext cx="4190957" cy="1720306"/>
           </a:xfrm>
           <a:prstGeom prst="rect">
             <a:avLst/>
           </a:prstGeom>
         </p:spPr>
       </p:pic>
+      <p:pic>
+        <p:nvPicPr>
+          <p:cNvPr id="3" name="图片 2"/>
+          <p:cNvPicPr>
+            <a:picLocks noChangeAspect="1"/>
+          </p:cNvPicPr>
+          <p:nvPr/>
+        </p:nvPicPr>
+        <p:blipFill>
+          <a:blip r:embed="rId4" cstate="print">
+            <a:extLst>
+              <a:ext uri="{28A0092B-C50C-407E-A947-70E740481C1C}">
+                <a14:useLocalDpi xmlns:a14="http://schemas.microsoft.com/office/drawing/2010/main" val="0"/>
+              </a:ext>
+            </a:extLst>
+          </a:blip>
+          <a:stretch>
+            <a:fillRect/>
+          </a:stretch>
+        </p:blipFill>
+        <p:spPr>
+          <a:xfrm>
+            <a:off x="0" y="66541"/>
+            <a:ext cx="4962771" cy="1514987"/>
+          </a:xfrm>
+          <a:prstGeom prst="rect">
+            <a:avLst/>
+          </a:prstGeom>
+        </p:spPr>
+      </p:pic>
+      <p:pic>
+        <p:nvPicPr>
+          <p:cNvPr id="7" name="图片 6"/>
+          <p:cNvPicPr>
+            <a:picLocks noChangeAspect="1"/>
+          </p:cNvPicPr>
+          <p:nvPr/>
+        </p:nvPicPr>
+        <p:blipFill>
+          <a:blip r:embed="rId5">
+            <a:extLst>
+              <a:ext uri="{28A0092B-C50C-407E-A947-70E740481C1C}">
+                <a14:useLocalDpi xmlns:a14="http://schemas.microsoft.com/office/drawing/2010/main" val="0"/>
+              </a:ext>
+            </a:extLst>
+          </a:blip>
+          <a:stretch>
+            <a:fillRect/>
+          </a:stretch>
+        </p:blipFill>
+        <p:spPr>
+          <a:xfrm>
+            <a:off x="5444395" y="121733"/>
+            <a:ext cx="6653819" cy="6368945"/>
+          </a:xfrm>
+          <a:prstGeom prst="rect">
+            <a:avLst/>
+          </a:prstGeom>
+        </p:spPr>
+      </p:pic>
+      <p:sp>
+        <p:nvSpPr>
+          <p:cNvPr id="8" name="矩形 7"/>
+          <p:cNvSpPr/>
+          <p:nvPr/>
+        </p:nvSpPr>
+        <p:spPr>
+          <a:xfrm>
+            <a:off x="187569" y="3657600"/>
+            <a:ext cx="4126523" cy="437662"/>
+          </a:xfrm>
+          <a:prstGeom prst="rect">
+            <a:avLst/>
+          </a:prstGeom>
+          <a:noFill/>
+          <a:ln w="28575">
+            <a:solidFill>
+              <a:srgbClr val="FF0000"/>
+            </a:solidFill>
+          </a:ln>
+        </p:spPr>
+        <p:style>
+          <a:lnRef idx="2">
+            <a:schemeClr val="accent1">
+              <a:shade val="50000"/>
+            </a:schemeClr>
+          </a:lnRef>
+          <a:fillRef idx="1">
+            <a:schemeClr val="accent1"/>
+          </a:fillRef>
+          <a:effectRef idx="0">
+            <a:schemeClr val="accent1"/>
+          </a:effectRef>
+          <a:fontRef idx="minor">
+            <a:schemeClr val="lt1"/>
+          </a:fontRef>
+        </p:style>
+        <p:txBody>
+          <a:bodyPr rtlCol="0" anchor="ctr"/>
+          <a:lstStyle/>
+          <a:p>
+            <a:pPr algn="ctr"/>
+            <a:endParaRPr lang="zh-CN" altLang="en-US"/>
+          </a:p>
+        </p:txBody>
+      </p:sp>
     </p:spTree>
     <p:extLst>
       <p:ext uri="{BB962C8B-B14F-4D97-AF65-F5344CB8AC3E}">
-        <p14:creationId xmlns:p14="http://schemas.microsoft.com/office/powerpoint/2010/main" val="897379195"/>
+        <p14:creationId xmlns:p14="http://schemas.microsoft.com/office/powerpoint/2010/main" val="739026287"/>
       </p:ext>
     </p:extLst>
   </p:cSld>
